--- a/docs/Examples/Elements/BasicElements/PistonCylinderNonidealDieselMV01_ex01/makeFigs.pptx
+++ b/docs/Examples/Elements/BasicElements/PistonCylinderNonidealDieselMV01_ex01/makeFigs.pptx
@@ -8,6 +8,8 @@
   <p:sldIdLst>
     <p:sldId id="256" r:id="rId4"/>
     <p:sldId id="257" r:id="rId5"/>
+    <p:sldId id="258" r:id="rId6"/>
+    <p:sldId id="259" r:id="rId7"/>
   </p:sldIdLst>
   <p:sldSz cx="10080625" cy="5670550"/>
   <p:notesSz cx="7559675" cy="10691812"/>
@@ -2756,7 +2758,7 @@
         <p:spPr>
           <a:xfrm>
             <a:off x="504000" y="226080"/>
-            <a:ext cx="9072000" cy="946440"/>
+            <a:ext cx="9071640" cy="946080"/>
           </a:xfrm>
           <a:prstGeom prst="rect">
             <a:avLst/>
@@ -2767,14 +2769,13 @@
             <a:noAutofit/>
           </a:bodyPr>
           <a:p>
-            <a:pPr algn="ctr"/>
-            <a:r>
-              <a:rPr b="0" lang="ja-JP" sz="4400" spc="-1" strike="noStrike">
+            <a:r>
+              <a:rPr b="0" lang="ja-JP" sz="1800" spc="-1" strike="noStrike">
                 <a:latin typeface="Arial"/>
               </a:rPr>
               <a:t>クリックしてタイトルテキストを編集</a:t>
             </a:r>
-            <a:endParaRPr b="0" lang="en-US" sz="4400" spc="-1" strike="noStrike">
+            <a:endParaRPr b="0" lang="en-US" sz="1800" spc="-1" strike="noStrike">
               <a:latin typeface="Arial"/>
             </a:endParaRPr>
           </a:p>
@@ -3328,13 +3329,15 @@
           <p:nvPr/>
         </p:nvPicPr>
         <p:blipFill>
-          <a:blip r:embed="rId1"/>
+          <a:blip r:embed="rId1">
+            <a:alphaModFix amt="70000"/>
+          </a:blip>
           <a:stretch/>
         </p:blipFill>
         <p:spPr>
           <a:xfrm>
             <a:off x="858960" y="-4680"/>
-            <a:ext cx="8350200" cy="5668560"/>
+            <a:ext cx="8349480" cy="5667840"/>
           </a:xfrm>
           <a:prstGeom prst="rect">
             <a:avLst/>
@@ -3381,13 +3384,15 @@
           <p:nvPr/>
         </p:nvPicPr>
         <p:blipFill>
-          <a:blip r:embed="rId1"/>
+          <a:blip r:embed="rId1">
+            <a:alphaModFix amt="70000"/>
+          </a:blip>
           <a:stretch/>
         </p:blipFill>
         <p:spPr>
           <a:xfrm>
             <a:off x="859320" y="-4680"/>
-            <a:ext cx="8350200" cy="5668560"/>
+            <a:ext cx="8349480" cy="5667840"/>
           </a:xfrm>
           <a:prstGeom prst="rect">
             <a:avLst/>
@@ -3400,36 +3405,83 @@
       <p:sp>
         <p:nvSpPr>
           <p:cNvPr id="78" name=""/>
-          <p:cNvSpPr txBox="1"/>
+          <p:cNvSpPr/>
           <p:nvPr/>
         </p:nvSpPr>
         <p:spPr>
           <a:xfrm>
-            <a:off x="540000" y="4212000"/>
-            <a:ext cx="900000" cy="232200"/>
+            <a:off x="180000" y="4320000"/>
+            <a:ext cx="1619640" cy="539640"/>
           </a:xfrm>
           <a:prstGeom prst="rect">
             <a:avLst/>
           </a:prstGeom>
           <a:solidFill>
-            <a:srgbClr val="b4c7dc"/>
+            <a:srgbClr val="729fcf">
+              <a:alpha val="70000"/>
+            </a:srgbClr>
           </a:solidFill>
           <a:ln w="0">
             <a:noFill/>
           </a:ln>
         </p:spPr>
+        <p:style>
+          <a:lnRef idx="0"/>
+          <a:fillRef idx="0"/>
+          <a:effectRef idx="0"/>
+          <a:fontRef idx="minor"/>
+        </p:style>
         <p:txBody>
           <a:bodyPr lIns="90000" rIns="90000" tIns="45000" bIns="45000">
             <a:noAutofit/>
           </a:bodyPr>
           <a:p>
-            <a:r>
-              <a:rPr b="0" lang="en-US" sz="1000" spc="-1" strike="noStrike">
-                <a:latin typeface="Arial"/>
-              </a:rPr>
-              <a:t>Inputs</a:t>
-            </a:r>
-            <a:endParaRPr b="0" lang="en-US" sz="1000" spc="-1" strike="noStrike">
+            <a:pPr>
+              <a:lnSpc>
+                <a:spcPct val="100000"/>
+              </a:lnSpc>
+            </a:pPr>
+            <a:r>
+              <a:rPr b="0" lang="en-US" sz="800" spc="-1" strike="noStrike">
+                <a:solidFill>
+                  <a:srgbClr val="000000"/>
+                </a:solidFill>
+                <a:latin typeface="ＭＳ Ｐゴシック"/>
+                <a:ea typeface="DejaVu Sans"/>
+              </a:rPr>
+              <a:t>Inputs:</a:t>
+            </a:r>
+            <a:endParaRPr b="0" lang="en-US" sz="800" spc="-1" strike="noStrike">
+              <a:latin typeface="Arial"/>
+            </a:endParaRPr>
+          </a:p>
+          <a:p>
+            <a:pPr>
+              <a:lnSpc>
+                <a:spcPct val="100000"/>
+              </a:lnSpc>
+            </a:pPr>
+            <a:r>
+              <a:rPr b="0" lang="en-US" sz="800" spc="-1" strike="noStrike">
+                <a:solidFill>
+                  <a:srgbClr val="000000"/>
+                </a:solidFill>
+                <a:latin typeface="ＭＳ Ｐゴシック"/>
+                <a:ea typeface="ＭＳ Ｐゴシック"/>
+              </a:rPr>
+              <a:t> </a:t>
+            </a:r>
+            <a:r>
+              <a:rPr b="0" lang="en-US" sz="800" spc="-1" strike="noStrike">
+                <a:solidFill>
+                  <a:srgbClr val="000000"/>
+                </a:solidFill>
+                <a:latin typeface="ＭＳ Ｐゴシック"/>
+                <a:ea typeface="ＭＳ Ｐゴシック"/>
+              </a:rPr>
+              <a:t>the fraction of air and fuel in in-taken air fuel mixture.</a:t>
+            </a:r>
+            <a:endParaRPr b="0" lang="en-US" sz="800" spc="-1" strike="noStrike">
               <a:latin typeface="Arial"/>
             </a:endParaRPr>
           </a:p>
@@ -3438,84 +3490,620 @@
       <p:sp>
         <p:nvSpPr>
           <p:cNvPr id="79" name=""/>
-          <p:cNvSpPr txBox="1"/>
+          <p:cNvSpPr/>
           <p:nvPr/>
         </p:nvSpPr>
         <p:spPr>
           <a:xfrm>
-            <a:off x="4140000" y="1692000"/>
-            <a:ext cx="2160000" cy="597240"/>
+            <a:off x="3600000" y="1440000"/>
+            <a:ext cx="1799640" cy="575280"/>
           </a:xfrm>
           <a:prstGeom prst="rect">
             <a:avLst/>
           </a:prstGeom>
           <a:solidFill>
-            <a:srgbClr val="bbe33d"/>
+            <a:srgbClr val="81d41a">
+              <a:alpha val="70000"/>
+            </a:srgbClr>
           </a:solidFill>
           <a:ln w="0">
             <a:noFill/>
           </a:ln>
         </p:spPr>
+        <p:style>
+          <a:lnRef idx="0"/>
+          <a:fillRef idx="0"/>
+          <a:effectRef idx="0"/>
+          <a:fontRef idx="minor"/>
+        </p:style>
         <p:txBody>
           <a:bodyPr lIns="90000" rIns="90000" tIns="45000" bIns="45000">
             <a:noAutofit/>
           </a:bodyPr>
           <a:p>
-            <a:r>
-              <a:rPr b="0" lang="en-US" sz="1000" spc="-1" strike="noStrike">
+            <a:pPr>
+              <a:lnSpc>
+                <a:spcPct val="100000"/>
+              </a:lnSpc>
+            </a:pPr>
+            <a:r>
+              <a:rPr b="0" lang="en-US" sz="800" spc="-1" strike="noStrike">
                 <a:solidFill>
                   <a:srgbClr val="000000"/>
                 </a:solidFill>
                 <a:latin typeface="ＭＳ Ｐゴシック"/>
+                <a:ea typeface="DejaVu Sans"/>
               </a:rPr>
               <a:t>Controllable flow restriction. </a:t>
             </a:r>
-            <a:endParaRPr b="0" lang="en-US" sz="1000" spc="-1" strike="noStrike">
-              <a:solidFill>
-                <a:srgbClr val="000000"/>
-              </a:solidFill>
-              <a:latin typeface="ＭＳ Ｐゴシック"/>
-              <a:ea typeface="ＭＳ Ｐゴシック"/>
-            </a:endParaRPr>
-          </a:p>
-          <a:p>
-            <a:r>
-              <a:rPr b="0" lang="en-US" sz="1000" spc="-1" strike="noStrike">
+            <a:endParaRPr b="0" lang="en-US" sz="800" spc="-1" strike="noStrike">
+              <a:latin typeface="Arial"/>
+            </a:endParaRPr>
+          </a:p>
+          <a:p>
+            <a:pPr>
+              <a:lnSpc>
+                <a:spcPct val="100000"/>
+              </a:lnSpc>
+            </a:pPr>
+            <a:r>
+              <a:rPr b="0" lang="en-US" sz="800" spc="-1" strike="noStrike">
                 <a:solidFill>
                   <a:srgbClr val="000000"/>
                 </a:solidFill>
                 <a:latin typeface="ＭＳ Ｐゴシック"/>
+                <a:ea typeface="DejaVu Sans"/>
               </a:rPr>
               <a:t> </a:t>
             </a:r>
             <a:r>
-              <a:rPr b="0" lang="en-US" sz="1000" spc="-1" strike="noStrike">
+              <a:rPr b="0" lang="en-US" sz="800" spc="-1" strike="noStrike">
                 <a:solidFill>
                   <a:srgbClr val="000000"/>
                 </a:solidFill>
                 <a:latin typeface="ＭＳ Ｐゴシック"/>
+                <a:ea typeface="DejaVu Sans"/>
               </a:rPr>
               <a:t>The pressure loss coefficient can be manipulated by external real signal.</a:t>
             </a:r>
-            <a:endParaRPr b="0" lang="en-US" sz="1000" spc="-1" strike="noStrike">
-              <a:solidFill>
-                <a:srgbClr val="000000"/>
-              </a:solidFill>
-              <a:latin typeface="ＭＳ Ｐゴシック"/>
-              <a:ea typeface="ＭＳ Ｐゴシック"/>
-            </a:endParaRPr>
-          </a:p>
-          <a:p>
-            <a:endParaRPr b="0" lang="en-US" sz="1000" spc="-1" strike="noStrike">
-              <a:solidFill>
-                <a:srgbClr val="000000"/>
-              </a:solidFill>
-              <a:latin typeface="ＭＳ Ｐゴシック"/>
-              <a:ea typeface="ＭＳ Ｐゴシック"/>
-            </a:endParaRPr>
-          </a:p>
-        </p:txBody>
-      </p:sp>
+            <a:endParaRPr b="0" lang="en-US" sz="800" spc="-1" strike="noStrike">
+              <a:latin typeface="Arial"/>
+            </a:endParaRPr>
+          </a:p>
+          <a:p>
+            <a:pPr>
+              <a:lnSpc>
+                <a:spcPct val="100000"/>
+              </a:lnSpc>
+            </a:pPr>
+            <a:endParaRPr b="0" lang="en-US" sz="800" spc="-1" strike="noStrike">
+              <a:latin typeface="Arial"/>
+            </a:endParaRPr>
+          </a:p>
+        </p:txBody>
+      </p:sp>
+      <p:sp>
+        <p:nvSpPr>
+          <p:cNvPr id="80" name=""/>
+          <p:cNvSpPr/>
+          <p:nvPr/>
+        </p:nvSpPr>
+        <p:spPr>
+          <a:xfrm flipV="1">
+            <a:off x="3780000" y="1980000"/>
+            <a:ext cx="720000" cy="540000"/>
+          </a:xfrm>
+          <a:prstGeom prst="line">
+            <a:avLst/>
+          </a:prstGeom>
+          <a:ln w="0">
+            <a:solidFill>
+              <a:srgbClr val="000000"/>
+            </a:solidFill>
+            <a:headEnd len="med" type="triangle" w="med"/>
+          </a:ln>
+        </p:spPr>
+        <p:style>
+          <a:lnRef idx="0"/>
+          <a:fillRef idx="0"/>
+          <a:effectRef idx="0"/>
+          <a:fontRef idx="minor"/>
+        </p:style>
+      </p:sp>
+      <p:sp>
+        <p:nvSpPr>
+          <p:cNvPr id="81" name=""/>
+          <p:cNvSpPr/>
+          <p:nvPr/>
+        </p:nvSpPr>
+        <p:spPr>
+          <a:xfrm flipH="1" flipV="1">
+            <a:off x="4500000" y="1980000"/>
+            <a:ext cx="1440000" cy="720000"/>
+          </a:xfrm>
+          <a:prstGeom prst="line">
+            <a:avLst/>
+          </a:prstGeom>
+          <a:ln w="0">
+            <a:solidFill>
+              <a:srgbClr val="000000"/>
+            </a:solidFill>
+            <a:headEnd len="med" type="triangle" w="med"/>
+          </a:ln>
+        </p:spPr>
+        <p:style>
+          <a:lnRef idx="0"/>
+          <a:fillRef idx="0"/>
+          <a:effectRef idx="0"/>
+          <a:fontRef idx="minor"/>
+        </p:style>
+      </p:sp>
+      <p:sp>
+        <p:nvSpPr>
+          <p:cNvPr id="82" name=""/>
+          <p:cNvSpPr/>
+          <p:nvPr/>
+        </p:nvSpPr>
+        <p:spPr>
+          <a:xfrm>
+            <a:off x="144000" y="2520000"/>
+            <a:ext cx="1619640" cy="359640"/>
+          </a:xfrm>
+          <a:prstGeom prst="rect">
+            <a:avLst/>
+          </a:prstGeom>
+          <a:solidFill>
+            <a:srgbClr val="729fcf">
+              <a:alpha val="70000"/>
+            </a:srgbClr>
+          </a:solidFill>
+          <a:ln w="0">
+            <a:noFill/>
+          </a:ln>
+        </p:spPr>
+        <p:style>
+          <a:lnRef idx="0"/>
+          <a:fillRef idx="0"/>
+          <a:effectRef idx="0"/>
+          <a:fontRef idx="minor"/>
+        </p:style>
+        <p:txBody>
+          <a:bodyPr lIns="90000" rIns="90000" tIns="45000" bIns="45000">
+            <a:noAutofit/>
+          </a:bodyPr>
+          <a:p>
+            <a:pPr>
+              <a:lnSpc>
+                <a:spcPct val="100000"/>
+              </a:lnSpc>
+            </a:pPr>
+            <a:r>
+              <a:rPr b="0" lang="en-US" sz="800" spc="-1" strike="noStrike">
+                <a:solidFill>
+                  <a:srgbClr val="000000"/>
+                </a:solidFill>
+                <a:latin typeface="ＭＳ Ｐゴシック"/>
+                <a:ea typeface="DejaVu Sans"/>
+              </a:rPr>
+              <a:t>Inputs:</a:t>
+            </a:r>
+            <a:endParaRPr b="0" lang="en-US" sz="800" spc="-1" strike="noStrike">
+              <a:latin typeface="Arial"/>
+            </a:endParaRPr>
+          </a:p>
+          <a:p>
+            <a:pPr>
+              <a:lnSpc>
+                <a:spcPct val="100000"/>
+              </a:lnSpc>
+            </a:pPr>
+            <a:r>
+              <a:rPr b="0" lang="en-US" sz="800" spc="-1" strike="noStrike">
+                <a:solidFill>
+                  <a:srgbClr val="000000"/>
+                </a:solidFill>
+                <a:latin typeface="ＭＳ Ｐゴシック"/>
+                <a:ea typeface="ＭＳ Ｐゴシック"/>
+              </a:rPr>
+              <a:t> </a:t>
+            </a:r>
+            <a:r>
+              <a:rPr b="0" lang="en-US" sz="800" spc="-1" strike="noStrike">
+                <a:solidFill>
+                  <a:srgbClr val="000000"/>
+                </a:solidFill>
+                <a:latin typeface="ＭＳ Ｐゴシック"/>
+                <a:ea typeface="ＭＳ Ｐゴシック"/>
+              </a:rPr>
+              <a:t>inlet fluid states, p and T.</a:t>
+            </a:r>
+            <a:endParaRPr b="0" lang="en-US" sz="800" spc="-1" strike="noStrike">
+              <a:latin typeface="Arial"/>
+            </a:endParaRPr>
+          </a:p>
+        </p:txBody>
+      </p:sp>
+      <p:sp>
+        <p:nvSpPr>
+          <p:cNvPr id="83" name=""/>
+          <p:cNvSpPr/>
+          <p:nvPr/>
+        </p:nvSpPr>
+        <p:spPr>
+          <a:xfrm>
+            <a:off x="4680000" y="4680000"/>
+            <a:ext cx="2807640" cy="719640"/>
+          </a:xfrm>
+          <a:prstGeom prst="rect">
+            <a:avLst/>
+          </a:prstGeom>
+          <a:solidFill>
+            <a:srgbClr val="81d41a">
+              <a:alpha val="70000"/>
+            </a:srgbClr>
+          </a:solidFill>
+          <a:ln w="0">
+            <a:noFill/>
+          </a:ln>
+        </p:spPr>
+        <p:style>
+          <a:lnRef idx="0"/>
+          <a:fillRef idx="0"/>
+          <a:effectRef idx="0"/>
+          <a:fontRef idx="minor"/>
+        </p:style>
+        <p:txBody>
+          <a:bodyPr lIns="90000" rIns="90000" tIns="45000" bIns="45000">
+            <a:noAutofit/>
+          </a:bodyPr>
+          <a:p>
+            <a:pPr>
+              <a:lnSpc>
+                <a:spcPct val="100000"/>
+              </a:lnSpc>
+            </a:pPr>
+            <a:r>
+              <a:rPr b="0" lang="en-US" sz="800" spc="-1" strike="noStrike">
+                <a:solidFill>
+                  <a:srgbClr val="000000"/>
+                </a:solidFill>
+                <a:latin typeface="ＭＳ Ｐゴシック"/>
+                <a:ea typeface="ＭＳ Ｐゴシック"/>
+              </a:rPr>
+              <a:t> </a:t>
+            </a:r>
+            <a:r>
+              <a:rPr b="0" lang="en-US" sz="800" spc="-1" strike="noStrike">
+                <a:solidFill>
+                  <a:srgbClr val="000000"/>
+                </a:solidFill>
+                <a:latin typeface="ＭＳ Ｐゴシック"/>
+                <a:ea typeface="ＭＳ Ｐゴシック"/>
+              </a:rPr>
+              <a:t>Viscos friction. The friction torque is proportional to the shaft absolute angular velocity (shaft speed relative to fixed surrounding world) of shaft speed.</a:t>
+            </a:r>
+            <a:endParaRPr b="0" lang="en-US" sz="800" spc="-1" strike="noStrike">
+              <a:latin typeface="Arial"/>
+            </a:endParaRPr>
+          </a:p>
+          <a:p>
+            <a:pPr>
+              <a:lnSpc>
+                <a:spcPct val="100000"/>
+              </a:lnSpc>
+            </a:pPr>
+            <a:r>
+              <a:rPr b="0" lang="en-US" sz="800" spc="-1" strike="noStrike">
+                <a:solidFill>
+                  <a:srgbClr val="000000"/>
+                </a:solidFill>
+                <a:latin typeface="ＭＳ Ｐゴシック"/>
+                <a:ea typeface="ＭＳ Ｐゴシック"/>
+              </a:rPr>
+              <a:t> </a:t>
+            </a:r>
+            <a:r>
+              <a:rPr b="0" lang="en-US" sz="800" spc="-1" strike="noStrike">
+                <a:solidFill>
+                  <a:srgbClr val="000000"/>
+                </a:solidFill>
+                <a:latin typeface="ＭＳ Ｐゴシック"/>
+                <a:ea typeface="ＭＳ Ｐゴシック"/>
+              </a:rPr>
+              <a:t>Shaft rotation gets steady at the angular speed at which the engine torque output is in equilibrium with friction torque. </a:t>
+            </a:r>
+            <a:endParaRPr b="0" lang="en-US" sz="800" spc="-1" strike="noStrike">
+              <a:latin typeface="Arial"/>
+            </a:endParaRPr>
+          </a:p>
+        </p:txBody>
+      </p:sp>
+      <p:sp>
+        <p:nvSpPr>
+          <p:cNvPr id="84" name=""/>
+          <p:cNvSpPr/>
+          <p:nvPr/>
+        </p:nvSpPr>
+        <p:spPr>
+          <a:xfrm>
+            <a:off x="8100000" y="3420000"/>
+            <a:ext cx="1619640" cy="359640"/>
+          </a:xfrm>
+          <a:prstGeom prst="rect">
+            <a:avLst/>
+          </a:prstGeom>
+          <a:solidFill>
+            <a:srgbClr val="729fcf">
+              <a:alpha val="70000"/>
+            </a:srgbClr>
+          </a:solidFill>
+          <a:ln w="0">
+            <a:noFill/>
+          </a:ln>
+        </p:spPr>
+        <p:style>
+          <a:lnRef idx="0"/>
+          <a:fillRef idx="0"/>
+          <a:effectRef idx="0"/>
+          <a:fontRef idx="minor"/>
+        </p:style>
+        <p:txBody>
+          <a:bodyPr lIns="90000" rIns="90000" tIns="45000" bIns="45000">
+            <a:noAutofit/>
+          </a:bodyPr>
+          <a:p>
+            <a:pPr>
+              <a:lnSpc>
+                <a:spcPct val="100000"/>
+              </a:lnSpc>
+            </a:pPr>
+            <a:r>
+              <a:rPr b="0" lang="en-US" sz="800" spc="-1" strike="noStrike">
+                <a:solidFill>
+                  <a:srgbClr val="000000"/>
+                </a:solidFill>
+                <a:latin typeface="ＭＳ Ｐゴシック"/>
+                <a:ea typeface="DejaVu Sans"/>
+              </a:rPr>
+              <a:t>Inputs:</a:t>
+            </a:r>
+            <a:endParaRPr b="0" lang="en-US" sz="800" spc="-1" strike="noStrike">
+              <a:latin typeface="Arial"/>
+            </a:endParaRPr>
+          </a:p>
+          <a:p>
+            <a:pPr>
+              <a:lnSpc>
+                <a:spcPct val="100000"/>
+              </a:lnSpc>
+            </a:pPr>
+            <a:r>
+              <a:rPr b="0" lang="en-US" sz="800" spc="-1" strike="noStrike">
+                <a:solidFill>
+                  <a:srgbClr val="000000"/>
+                </a:solidFill>
+                <a:latin typeface="ＭＳ Ｐゴシック"/>
+                <a:ea typeface="ＭＳ Ｐゴシック"/>
+              </a:rPr>
+              <a:t> </a:t>
+            </a:r>
+            <a:r>
+              <a:rPr b="0" lang="en-US" sz="800" spc="-1" strike="noStrike">
+                <a:solidFill>
+                  <a:srgbClr val="000000"/>
+                </a:solidFill>
+                <a:latin typeface="ＭＳ Ｐゴシック"/>
+                <a:ea typeface="ＭＳ Ｐゴシック"/>
+              </a:rPr>
+              <a:t>Additional load can be applied.</a:t>
+            </a:r>
+            <a:endParaRPr b="0" lang="en-US" sz="800" spc="-1" strike="noStrike">
+              <a:latin typeface="Arial"/>
+            </a:endParaRPr>
+          </a:p>
+        </p:txBody>
+      </p:sp>
+      <p:sp>
+        <p:nvSpPr>
+          <p:cNvPr id="85" name=""/>
+          <p:cNvSpPr/>
+          <p:nvPr/>
+        </p:nvSpPr>
+        <p:spPr>
+          <a:xfrm>
+            <a:off x="3600000" y="360000"/>
+            <a:ext cx="1439640" cy="539640"/>
+          </a:xfrm>
+          <a:prstGeom prst="rect">
+            <a:avLst/>
+          </a:prstGeom>
+          <a:solidFill>
+            <a:srgbClr val="729fcf">
+              <a:alpha val="70000"/>
+            </a:srgbClr>
+          </a:solidFill>
+          <a:ln w="0">
+            <a:noFill/>
+          </a:ln>
+        </p:spPr>
+        <p:style>
+          <a:lnRef idx="0"/>
+          <a:fillRef idx="0"/>
+          <a:effectRef idx="0"/>
+          <a:fontRef idx="minor"/>
+        </p:style>
+        <p:txBody>
+          <a:bodyPr lIns="90000" rIns="90000" tIns="45000" bIns="45000">
+            <a:noAutofit/>
+          </a:bodyPr>
+          <a:p>
+            <a:pPr>
+              <a:lnSpc>
+                <a:spcPct val="100000"/>
+              </a:lnSpc>
+            </a:pPr>
+            <a:r>
+              <a:rPr b="0" lang="en-US" sz="800" spc="-1" strike="noStrike">
+                <a:solidFill>
+                  <a:srgbClr val="000000"/>
+                </a:solidFill>
+                <a:latin typeface="ＭＳ Ｐゴシック"/>
+                <a:ea typeface="DejaVu Sans"/>
+              </a:rPr>
+              <a:t>Inputs:</a:t>
+            </a:r>
+            <a:endParaRPr b="0" lang="en-US" sz="800" spc="-1" strike="noStrike">
+              <a:latin typeface="Arial"/>
+            </a:endParaRPr>
+          </a:p>
+          <a:p>
+            <a:pPr>
+              <a:lnSpc>
+                <a:spcPct val="100000"/>
+              </a:lnSpc>
+            </a:pPr>
+            <a:r>
+              <a:rPr b="0" lang="en-US" sz="800" spc="-1" strike="noStrike">
+                <a:solidFill>
+                  <a:srgbClr val="000000"/>
+                </a:solidFill>
+                <a:latin typeface="ＭＳ Ｐゴシック"/>
+                <a:ea typeface="ＭＳ Ｐゴシック"/>
+              </a:rPr>
+              <a:t> </a:t>
+            </a:r>
+            <a:r>
+              <a:rPr b="0" lang="en-US" sz="800" spc="-1" strike="noStrike">
+                <a:solidFill>
+                  <a:srgbClr val="000000"/>
+                </a:solidFill>
+                <a:latin typeface="ＭＳ Ｐゴシック"/>
+                <a:ea typeface="ＭＳ Ｐゴシック"/>
+              </a:rPr>
+              <a:t>Pressure loss coefficient of orifice.</a:t>
+            </a:r>
+            <a:endParaRPr b="0" lang="en-US" sz="800" spc="-1" strike="noStrike">
+              <a:latin typeface="Arial"/>
+            </a:endParaRPr>
+          </a:p>
+        </p:txBody>
+      </p:sp>
+      <p:sp>
+        <p:nvSpPr>
+          <p:cNvPr id="86" name=""/>
+          <p:cNvSpPr/>
+          <p:nvPr/>
+        </p:nvSpPr>
+        <p:spPr>
+          <a:xfrm flipH="1" flipV="1">
+            <a:off x="4320000" y="900000"/>
+            <a:ext cx="1260000" cy="720000"/>
+          </a:xfrm>
+          <a:prstGeom prst="line">
+            <a:avLst/>
+          </a:prstGeom>
+          <a:ln w="0">
+            <a:solidFill>
+              <a:srgbClr val="000000"/>
+            </a:solidFill>
+            <a:headEnd len="med" type="triangle" w="med"/>
+          </a:ln>
+        </p:spPr>
+        <p:style>
+          <a:lnRef idx="0"/>
+          <a:fillRef idx="0"/>
+          <a:effectRef idx="0"/>
+          <a:fontRef idx="minor"/>
+        </p:style>
+      </p:sp>
+      <p:sp>
+        <p:nvSpPr>
+          <p:cNvPr id="87" name=""/>
+          <p:cNvSpPr/>
+          <p:nvPr/>
+        </p:nvSpPr>
+        <p:spPr>
+          <a:xfrm flipV="1">
+            <a:off x="3060000" y="900000"/>
+            <a:ext cx="1260000" cy="720000"/>
+          </a:xfrm>
+          <a:prstGeom prst="line">
+            <a:avLst/>
+          </a:prstGeom>
+          <a:ln w="0">
+            <a:solidFill>
+              <a:srgbClr val="000000"/>
+            </a:solidFill>
+            <a:headEnd len="med" type="triangle" w="med"/>
+          </a:ln>
+        </p:spPr>
+        <p:style>
+          <a:lnRef idx="0"/>
+          <a:fillRef idx="0"/>
+          <a:effectRef idx="0"/>
+          <a:fontRef idx="minor"/>
+        </p:style>
+      </p:sp>
+    </p:spTree>
+  </p:cSld>
+  <mc:AlternateContent>
+    <mc:Choice Requires="p14">
+      <p:transition spd="slow" p14:dur="2000"/>
+    </mc:Choice>
+    <mc:Fallback>
+      <p:transition spd="slow"/>
+    </mc:Fallback>
+  </mc:AlternateContent>
+</p:sld>
+</file>
+
+<file path=ppt/slides/slide3.xml><?xml version="1.0" encoding="utf-8"?>
+<p:sld xmlns:a="http://schemas.openxmlformats.org/drawingml/2006/main" xmlns:p="http://schemas.openxmlformats.org/presentationml/2006/main" xmlns:r="http://schemas.openxmlformats.org/officeDocument/2006/relationships" xmlns:p14="http://schemas.microsoft.com/office/powerpoint/2010/main" xmlns:p15="http://schemas.microsoft.com/office/powerpoint/2012/main" xmlns:mc="http://schemas.openxmlformats.org/markup-compatibility/2006">
+  <p:cSld>
+    <p:spTree>
+      <p:nvGrpSpPr>
+        <p:cNvPr id="1" name=""/>
+        <p:cNvGrpSpPr/>
+        <p:nvPr/>
+      </p:nvGrpSpPr>
+      <p:grpSpPr>
+        <a:xfrm>
+          <a:off x="0" y="0"/>
+          <a:ext cx="0" cy="0"/>
+          <a:chOff x="0" y="0"/>
+          <a:chExt cx="0" cy="0"/>
+        </a:xfrm>
+      </p:grpSpPr>
+    </p:spTree>
+  </p:cSld>
+  <mc:AlternateContent>
+    <mc:Choice Requires="p14">
+      <p:transition spd="slow" p14:dur="2000"/>
+    </mc:Choice>
+    <mc:Fallback>
+      <p:transition spd="slow"/>
+    </mc:Fallback>
+  </mc:AlternateContent>
+</p:sld>
+</file>
+
+<file path=ppt/slides/slide4.xml><?xml version="1.0" encoding="utf-8"?>
+<p:sld xmlns:a="http://schemas.openxmlformats.org/drawingml/2006/main" xmlns:p="http://schemas.openxmlformats.org/presentationml/2006/main" xmlns:r="http://schemas.openxmlformats.org/officeDocument/2006/relationships" xmlns:p14="http://schemas.microsoft.com/office/powerpoint/2010/main" xmlns:p15="http://schemas.microsoft.com/office/powerpoint/2012/main" xmlns:mc="http://schemas.openxmlformats.org/markup-compatibility/2006">
+  <p:cSld>
+    <p:spTree>
+      <p:nvGrpSpPr>
+        <p:cNvPr id="1" name=""/>
+        <p:cNvGrpSpPr/>
+        <p:nvPr/>
+      </p:nvGrpSpPr>
+      <p:grpSpPr>
+        <a:xfrm>
+          <a:off x="0" y="0"/>
+          <a:ext cx="0" cy="0"/>
+          <a:chOff x="0" y="0"/>
+          <a:chExt cx="0" cy="0"/>
+        </a:xfrm>
+      </p:grpSpPr>
     </p:spTree>
   </p:cSld>
   <mc:AlternateContent>
